--- a/doc/RedeemCodeGenerator based on PRNG.pptx
+++ b/doc/RedeemCodeGenerator based on PRNG.pptx
@@ -19,7 +19,8 @@
     <p:sldId id="283" r:id="rId13"/>
     <p:sldId id="285" r:id="rId14"/>
     <p:sldId id="273" r:id="rId15"/>
-    <p:sldId id="282" r:id="rId16"/>
+    <p:sldId id="286" r:id="rId16"/>
+    <p:sldId id="282" r:id="rId17"/>
   </p:sldIdLst>
   <p:sldSz cx="12192000" cy="6858000"/>
   <p:notesSz cx="6858000" cy="9144000"/>
@@ -22305,8 +22306,8 @@
         </p:nvSpPr>
         <p:spPr>
           <a:xfrm>
-            <a:off x="269239" y="1187620"/>
-            <a:ext cx="5609047" cy="5377755"/>
+            <a:off x="269240" y="1187620"/>
+            <a:ext cx="4930914" cy="5377755"/>
           </a:xfrm>
         </p:spPr>
         <p:txBody>
@@ -22351,8 +22352,8 @@
         </p:nvSpPr>
         <p:spPr>
           <a:xfrm>
-            <a:off x="6090557" y="1193059"/>
-            <a:ext cx="2677886" cy="5377755"/>
+            <a:off x="5192200" y="1193059"/>
+            <a:ext cx="3115066" cy="5377755"/>
           </a:xfrm>
           <a:prstGeom prst="rect">
             <a:avLst/>
@@ -22674,8 +22675,8 @@
         </p:nvSpPr>
         <p:spPr>
           <a:xfrm>
-            <a:off x="9159243" y="1191600"/>
-            <a:ext cx="2678400" cy="5378400"/>
+            <a:off x="8682824" y="1191600"/>
+            <a:ext cx="3154819" cy="5378400"/>
           </a:xfrm>
           <a:prstGeom prst="rect">
             <a:avLst/>
@@ -23033,6 +23034,89 @@
 </file>
 
 <file path=ppt/slides/slide13.xml><?xml version="1.0" encoding="utf-8"?>
+<p:sld xmlns:a="http://schemas.openxmlformats.org/drawingml/2006/main" xmlns:r="http://schemas.openxmlformats.org/officeDocument/2006/relationships" xmlns:p="http://schemas.openxmlformats.org/presentationml/2006/main">
+  <p:cSld>
+    <p:spTree>
+      <p:nvGrpSpPr>
+        <p:cNvPr id="1" name=""/>
+        <p:cNvGrpSpPr/>
+        <p:nvPr/>
+      </p:nvGrpSpPr>
+      <p:grpSpPr>
+        <a:xfrm>
+          <a:off x="0" y="0"/>
+          <a:ext cx="0" cy="0"/>
+          <a:chOff x="0" y="0"/>
+          <a:chExt cx="0" cy="0"/>
+        </a:xfrm>
+      </p:grpSpPr>
+      <p:sp>
+        <p:nvSpPr>
+          <p:cNvPr id="2" name="제목 1"/>
+          <p:cNvSpPr>
+            <a:spLocks noGrp="1"/>
+          </p:cNvSpPr>
+          <p:nvPr>
+            <p:ph type="title"/>
+          </p:nvPr>
+        </p:nvSpPr>
+        <p:spPr/>
+        <p:txBody>
+          <a:bodyPr/>
+          <a:lstStyle/>
+          <a:p>
+            <a:r>
+              <a:rPr lang="en-US" altLang="ko-KR" b="1" dirty="0" smtClean="0"/>
+              <a:t>Source Code</a:t>
+            </a:r>
+            <a:endParaRPr lang="ko-KR" altLang="en-US" b="1" dirty="0"/>
+          </a:p>
+        </p:txBody>
+      </p:sp>
+      <p:sp>
+        <p:nvSpPr>
+          <p:cNvPr id="6" name="텍스트 개체 틀 5"/>
+          <p:cNvSpPr>
+            <a:spLocks noGrp="1"/>
+          </p:cNvSpPr>
+          <p:nvPr>
+            <p:ph type="body" sz="quarter" idx="10"/>
+          </p:nvPr>
+        </p:nvSpPr>
+        <p:spPr/>
+        <p:txBody>
+          <a:bodyPr/>
+          <a:lstStyle/>
+          <a:p>
+            <a:r>
+              <a:rPr lang="en-US" altLang="ko-KR" dirty="0"/>
+              <a:t>https://github.com/nextvern/RedeemCodeGenerator</a:t>
+            </a:r>
+            <a:endParaRPr lang="ko-KR" altLang="en-US" dirty="0"/>
+          </a:p>
+        </p:txBody>
+      </p:sp>
+    </p:spTree>
+    <p:extLst>
+      <p:ext uri="{BB962C8B-B14F-4D97-AF65-F5344CB8AC3E}">
+        <p14:creationId xmlns:p14="http://schemas.microsoft.com/office/powerpoint/2010/main" val="482372109"/>
+      </p:ext>
+    </p:extLst>
+  </p:cSld>
+  <p:clrMapOvr>
+    <a:masterClrMapping/>
+  </p:clrMapOvr>
+  <p:timing>
+    <p:tnLst>
+      <p:par>
+        <p:cTn id="1" dur="indefinite" restart="never" nodeType="tmRoot"/>
+      </p:par>
+    </p:tnLst>
+  </p:timing>
+</p:sld>
+</file>
+
+<file path=ppt/slides/slide14.xml><?xml version="1.0" encoding="utf-8"?>
 <p:sld xmlns:a="http://schemas.openxmlformats.org/drawingml/2006/main" xmlns:r="http://schemas.openxmlformats.org/officeDocument/2006/relationships" xmlns:p="http://schemas.openxmlformats.org/presentationml/2006/main">
   <p:cSld>
     <p:spTree>
